--- a/Slides/Lecture 1.pptx
+++ b/Slides/Lecture 1.pptx
@@ -5,7 +5,7 @@
     <p:sldMasterId id="2147483648" r:id="rId1"/>
   </p:sldMasterIdLst>
   <p:notesMasterIdLst>
-    <p:notesMasterId r:id="rId55"/>
+    <p:notesMasterId r:id="rId56"/>
   </p:notesMasterIdLst>
   <p:sldIdLst>
     <p:sldId id="256" r:id="rId2"/>
@@ -61,6 +61,7 @@
     <p:sldId id="347" r:id="rId52"/>
     <p:sldId id="349" r:id="rId53"/>
     <p:sldId id="348" r:id="rId54"/>
+    <p:sldId id="357" r:id="rId55"/>
   </p:sldIdLst>
   <p:sldSz cx="12192000" cy="6858000"/>
   <p:notesSz cx="6858000" cy="9144000"/>
@@ -261,7 +262,7 @@
           <a:p>
             <a:fld id="{1CB48AD5-CDAE-4B7B-B49D-6DB81FF5A179}" type="datetimeFigureOut">
               <a:rPr lang="en-US" smtClean="0"/>
-              <a:t>1/15/2021</a:t>
+              <a:t>2/16/2021</a:t>
             </a:fld>
             <a:endParaRPr lang="en-US"/>
           </a:p>
@@ -675,7 +676,7 @@
           <a:p>
             <a:fld id="{C4959B56-7D6D-462F-B061-93C9E323EE8A}" type="datetimeFigureOut">
               <a:rPr lang="en-US" smtClean="0"/>
-              <a:t>1/15/2021</a:t>
+              <a:t>2/16/2021</a:t>
             </a:fld>
             <a:endParaRPr lang="en-US"/>
           </a:p>
@@ -873,7 +874,7 @@
           <a:p>
             <a:fld id="{C4959B56-7D6D-462F-B061-93C9E323EE8A}" type="datetimeFigureOut">
               <a:rPr lang="en-US" smtClean="0"/>
-              <a:t>1/15/2021</a:t>
+              <a:t>2/16/2021</a:t>
             </a:fld>
             <a:endParaRPr lang="en-US"/>
           </a:p>
@@ -1081,7 +1082,7 @@
           <a:p>
             <a:fld id="{C4959B56-7D6D-462F-B061-93C9E323EE8A}" type="datetimeFigureOut">
               <a:rPr lang="en-US" smtClean="0"/>
-              <a:t>1/15/2021</a:t>
+              <a:t>2/16/2021</a:t>
             </a:fld>
             <a:endParaRPr lang="en-US"/>
           </a:p>
@@ -1279,7 +1280,7 @@
           <a:p>
             <a:fld id="{C4959B56-7D6D-462F-B061-93C9E323EE8A}" type="datetimeFigureOut">
               <a:rPr lang="en-US" smtClean="0"/>
-              <a:t>1/15/2021</a:t>
+              <a:t>2/16/2021</a:t>
             </a:fld>
             <a:endParaRPr lang="en-US"/>
           </a:p>
@@ -1554,7 +1555,7 @@
           <a:p>
             <a:fld id="{C4959B56-7D6D-462F-B061-93C9E323EE8A}" type="datetimeFigureOut">
               <a:rPr lang="en-US" smtClean="0"/>
-              <a:t>1/15/2021</a:t>
+              <a:t>2/16/2021</a:t>
             </a:fld>
             <a:endParaRPr lang="en-US"/>
           </a:p>
@@ -1819,7 +1820,7 @@
           <a:p>
             <a:fld id="{C4959B56-7D6D-462F-B061-93C9E323EE8A}" type="datetimeFigureOut">
               <a:rPr lang="en-US" smtClean="0"/>
-              <a:t>1/15/2021</a:t>
+              <a:t>2/16/2021</a:t>
             </a:fld>
             <a:endParaRPr lang="en-US"/>
           </a:p>
@@ -2231,7 +2232,7 @@
           <a:p>
             <a:fld id="{C4959B56-7D6D-462F-B061-93C9E323EE8A}" type="datetimeFigureOut">
               <a:rPr lang="en-US" smtClean="0"/>
-              <a:t>1/15/2021</a:t>
+              <a:t>2/16/2021</a:t>
             </a:fld>
             <a:endParaRPr lang="en-US"/>
           </a:p>
@@ -2372,7 +2373,7 @@
           <a:p>
             <a:fld id="{C4959B56-7D6D-462F-B061-93C9E323EE8A}" type="datetimeFigureOut">
               <a:rPr lang="en-US" smtClean="0"/>
-              <a:t>1/15/2021</a:t>
+              <a:t>2/16/2021</a:t>
             </a:fld>
             <a:endParaRPr lang="en-US"/>
           </a:p>
@@ -2485,7 +2486,7 @@
           <a:p>
             <a:fld id="{C4959B56-7D6D-462F-B061-93C9E323EE8A}" type="datetimeFigureOut">
               <a:rPr lang="en-US" smtClean="0"/>
-              <a:t>1/15/2021</a:t>
+              <a:t>2/16/2021</a:t>
             </a:fld>
             <a:endParaRPr lang="en-US"/>
           </a:p>
@@ -2796,7 +2797,7 @@
           <a:p>
             <a:fld id="{C4959B56-7D6D-462F-B061-93C9E323EE8A}" type="datetimeFigureOut">
               <a:rPr lang="en-US" smtClean="0"/>
-              <a:t>1/15/2021</a:t>
+              <a:t>2/16/2021</a:t>
             </a:fld>
             <a:endParaRPr lang="en-US"/>
           </a:p>
@@ -3084,7 +3085,7 @@
           <a:p>
             <a:fld id="{C4959B56-7D6D-462F-B061-93C9E323EE8A}" type="datetimeFigureOut">
               <a:rPr lang="en-US" smtClean="0"/>
-              <a:t>1/15/2021</a:t>
+              <a:t>2/16/2021</a:t>
             </a:fld>
             <a:endParaRPr lang="en-US"/>
           </a:p>
@@ -3325,7 +3326,7 @@
           <a:p>
             <a:fld id="{C4959B56-7D6D-462F-B061-93C9E323EE8A}" type="datetimeFigureOut">
               <a:rPr lang="en-US" smtClean="0"/>
-              <a:t>1/15/2021</a:t>
+              <a:t>2/16/2021</a:t>
             </a:fld>
             <a:endParaRPr lang="en-US"/>
           </a:p>
@@ -10292,8 +10293,8 @@
           </a:p>
         </p:txBody>
       </p:sp>
-      <mc:AlternateContent xmlns:mc="http://schemas.openxmlformats.org/markup-compatibility/2006">
-        <mc:Choice xmlns:a14="http://schemas.microsoft.com/office/drawing/2010/main" Requires="a14">
+      <mc:AlternateContent xmlns:mc="http://schemas.openxmlformats.org/markup-compatibility/2006" xmlns:a14="http://schemas.microsoft.com/office/drawing/2010/main">
+        <mc:Choice Requires="a14">
           <p:sp>
             <p:nvSpPr>
               <p:cNvPr id="3" name="Content Placeholder 2">
@@ -10611,7 +10612,7 @@
             </p:txBody>
           </p:sp>
         </mc:Choice>
-        <mc:Fallback>
+        <mc:Fallback xmlns="">
           <p:sp>
             <p:nvSpPr>
               <p:cNvPr id="3" name="Content Placeholder 2">
@@ -11955,8 +11956,8 @@
           </a:p>
         </p:txBody>
       </p:sp>
-      <mc:AlternateContent xmlns:mc="http://schemas.openxmlformats.org/markup-compatibility/2006">
-        <mc:Choice xmlns:a14="http://schemas.microsoft.com/office/drawing/2010/main" Requires="a14">
+      <mc:AlternateContent xmlns:mc="http://schemas.openxmlformats.org/markup-compatibility/2006" xmlns:a14="http://schemas.microsoft.com/office/drawing/2010/main">
+        <mc:Choice Requires="a14">
           <p:sp>
             <p:nvSpPr>
               <p:cNvPr id="3" name="Content Placeholder 2">
@@ -13029,7 +13030,7 @@
             </p:txBody>
           </p:sp>
         </mc:Choice>
-        <mc:Fallback>
+        <mc:Fallback xmlns="">
           <p:sp>
             <p:nvSpPr>
               <p:cNvPr id="3" name="Content Placeholder 2">
@@ -13132,8 +13133,8 @@
           </a:p>
         </p:txBody>
       </p:sp>
-      <mc:AlternateContent xmlns:mc="http://schemas.openxmlformats.org/markup-compatibility/2006">
-        <mc:Choice xmlns:a14="http://schemas.microsoft.com/office/drawing/2010/main" Requires="a14">
+      <mc:AlternateContent xmlns:mc="http://schemas.openxmlformats.org/markup-compatibility/2006" xmlns:a14="http://schemas.microsoft.com/office/drawing/2010/main">
+        <mc:Choice Requires="a14">
           <p:sp>
             <p:nvSpPr>
               <p:cNvPr id="3" name="Content Placeholder 2">
@@ -13940,21 +13941,7 @@
                                 <a:latin typeface="Cambria Math" panose="02040503050406030204" pitchFamily="18" charset="0"/>
                                 <a:ea typeface="Cambria Math" panose="02040503050406030204" pitchFamily="18" charset="0"/>
                               </a:rPr>
-                              <m:t> </m:t>
-                            </m:r>
-                            <m:r>
-                              <a:rPr lang="en-US" i="1">
-                                <a:latin typeface="Cambria Math" panose="02040503050406030204" pitchFamily="18" charset="0"/>
-                                <a:ea typeface="Cambria Math" panose="02040503050406030204" pitchFamily="18" charset="0"/>
-                              </a:rPr>
-                              <m:t>+</m:t>
-                            </m:r>
-                            <m:r>
-                              <a:rPr lang="en-US" i="1">
-                                <a:latin typeface="Cambria Math" panose="02040503050406030204" pitchFamily="18" charset="0"/>
-                                <a:ea typeface="Cambria Math" panose="02040503050406030204" pitchFamily="18" charset="0"/>
-                              </a:rPr>
-                              <m:t> </m:t>
+                              <m:t> + </m:t>
                             </m:r>
                             <m:f>
                               <m:fPr>
@@ -14594,7 +14581,7 @@
             </p:txBody>
           </p:sp>
         </mc:Choice>
-        <mc:Fallback>
+        <mc:Fallback xmlns="">
           <p:sp>
             <p:nvSpPr>
               <p:cNvPr id="3" name="Content Placeholder 2">
@@ -14697,8 +14684,8 @@
           </a:p>
         </p:txBody>
       </p:sp>
-      <mc:AlternateContent xmlns:mc="http://schemas.openxmlformats.org/markup-compatibility/2006">
-        <mc:Choice xmlns:a14="http://schemas.microsoft.com/office/drawing/2010/main" Requires="a14">
+      <mc:AlternateContent xmlns:mc="http://schemas.openxmlformats.org/markup-compatibility/2006" xmlns:a14="http://schemas.microsoft.com/office/drawing/2010/main">
+        <mc:Choice Requires="a14">
           <p:sp>
             <p:nvSpPr>
               <p:cNvPr id="3" name="Content Placeholder 2">
@@ -15033,7 +15020,7 @@
             </p:txBody>
           </p:sp>
         </mc:Choice>
-        <mc:Fallback>
+        <mc:Fallback xmlns="">
           <p:sp>
             <p:nvSpPr>
               <p:cNvPr id="3" name="Content Placeholder 2">
@@ -15772,8 +15759,8 @@
           </a:p>
         </p:txBody>
       </p:sp>
-      <mc:AlternateContent xmlns:mc="http://schemas.openxmlformats.org/markup-compatibility/2006">
-        <mc:Choice xmlns:a14="http://schemas.microsoft.com/office/drawing/2010/main" Requires="a14">
+      <mc:AlternateContent xmlns:mc="http://schemas.openxmlformats.org/markup-compatibility/2006" xmlns:a14="http://schemas.microsoft.com/office/drawing/2010/main">
+        <mc:Choice Requires="a14">
           <p:sp>
             <p:nvSpPr>
               <p:cNvPr id="3" name="Content Placeholder 2">
@@ -15927,7 +15914,7 @@
             </p:txBody>
           </p:sp>
         </mc:Choice>
-        <mc:Fallback>
+        <mc:Fallback xmlns="">
           <p:sp>
             <p:nvSpPr>
               <p:cNvPr id="3" name="Content Placeholder 2">
@@ -16030,8 +16017,8 @@
           </a:p>
         </p:txBody>
       </p:sp>
-      <mc:AlternateContent xmlns:mc="http://schemas.openxmlformats.org/markup-compatibility/2006">
-        <mc:Choice xmlns:a14="http://schemas.microsoft.com/office/drawing/2010/main" Requires="a14">
+      <mc:AlternateContent xmlns:mc="http://schemas.openxmlformats.org/markup-compatibility/2006" xmlns:a14="http://schemas.microsoft.com/office/drawing/2010/main">
+        <mc:Choice Requires="a14">
           <p:sp>
             <p:nvSpPr>
               <p:cNvPr id="3" name="Content Placeholder 2">
@@ -16451,7 +16438,7 @@
             </p:txBody>
           </p:sp>
         </mc:Choice>
-        <mc:Fallback>
+        <mc:Fallback xmlns="">
           <p:sp>
             <p:nvSpPr>
               <p:cNvPr id="3" name="Content Placeholder 2">
@@ -17653,8 +17640,8 @@
           </a:p>
         </p:txBody>
       </p:sp>
-      <mc:AlternateContent xmlns:mc="http://schemas.openxmlformats.org/markup-compatibility/2006">
-        <mc:Choice xmlns:a14="http://schemas.microsoft.com/office/drawing/2010/main" Requires="a14">
+      <mc:AlternateContent xmlns:mc="http://schemas.openxmlformats.org/markup-compatibility/2006" xmlns:a14="http://schemas.microsoft.com/office/drawing/2010/main">
+        <mc:Choice Requires="a14">
           <p:sp>
             <p:nvSpPr>
               <p:cNvPr id="3" name="Content Placeholder 2">
@@ -18292,7 +18279,7 @@
             </p:txBody>
           </p:sp>
         </mc:Choice>
-        <mc:Fallback>
+        <mc:Fallback xmlns="">
           <p:sp>
             <p:nvSpPr>
               <p:cNvPr id="3" name="Content Placeholder 2">
@@ -22473,8 +22460,8 @@
           </a:p>
         </p:txBody>
       </p:sp>
-      <mc:AlternateContent xmlns:mc="http://schemas.openxmlformats.org/markup-compatibility/2006">
-        <mc:Choice xmlns:a14="http://schemas.microsoft.com/office/drawing/2010/main" Requires="a14">
+      <mc:AlternateContent xmlns:mc="http://schemas.openxmlformats.org/markup-compatibility/2006" xmlns:a14="http://schemas.microsoft.com/office/drawing/2010/main">
+        <mc:Choice Requires="a14">
           <p:sp>
             <p:nvSpPr>
               <p:cNvPr id="3" name="Content Placeholder 2">
@@ -23664,7 +23651,7 @@
             </p:txBody>
           </p:sp>
         </mc:Choice>
-        <mc:Fallback>
+        <mc:Fallback xmlns="">
           <p:sp>
             <p:nvSpPr>
               <p:cNvPr id="3" name="Content Placeholder 2">
@@ -24087,8 +24074,8 @@
           </a:p>
         </p:txBody>
       </p:sp>
-      <mc:AlternateContent xmlns:mc="http://schemas.openxmlformats.org/markup-compatibility/2006">
-        <mc:Choice xmlns:a14="http://schemas.microsoft.com/office/drawing/2010/main" Requires="a14">
+      <mc:AlternateContent xmlns:mc="http://schemas.openxmlformats.org/markup-compatibility/2006" xmlns:a14="http://schemas.microsoft.com/office/drawing/2010/main">
+        <mc:Choice Requires="a14">
           <p:sp>
             <p:nvSpPr>
               <p:cNvPr id="3" name="Content Placeholder 2">
@@ -24248,14 +24235,7 @@
                             <a:latin typeface="Cambria Math" panose="02040503050406030204" pitchFamily="18" charset="0"/>
                             <a:ea typeface="Cambria Math" panose="02040503050406030204" pitchFamily="18" charset="0"/>
                           </a:rPr>
-                          <m:t> </m:t>
-                        </m:r>
-                        <m:r>
-                          <a:rPr lang="en-US" b="0" i="1" smtClean="0">
-                            <a:latin typeface="Cambria Math" panose="02040503050406030204" pitchFamily="18" charset="0"/>
-                            <a:ea typeface="Cambria Math" panose="02040503050406030204" pitchFamily="18" charset="0"/>
-                          </a:rPr>
-                          <m:t>=</m:t>
+                          <m:t> =</m:t>
                         </m:r>
                         <m:f>
                           <m:fPr>
@@ -25268,7 +25248,7 @@
             </p:txBody>
           </p:sp>
         </mc:Choice>
-        <mc:Fallback>
+        <mc:Fallback xmlns="">
           <p:sp>
             <p:nvSpPr>
               <p:cNvPr id="3" name="Content Placeholder 2">
@@ -25371,8 +25351,8 @@
           </a:p>
         </p:txBody>
       </p:sp>
-      <mc:AlternateContent xmlns:mc="http://schemas.openxmlformats.org/markup-compatibility/2006">
-        <mc:Choice xmlns:a14="http://schemas.microsoft.com/office/drawing/2010/main" Requires="a14">
+      <mc:AlternateContent xmlns:mc="http://schemas.openxmlformats.org/markup-compatibility/2006" xmlns:a14="http://schemas.microsoft.com/office/drawing/2010/main">
+        <mc:Choice Requires="a14">
           <p:sp>
             <p:nvSpPr>
               <p:cNvPr id="3" name="Content Placeholder 2">
@@ -26370,7 +26350,7 @@
             </p:txBody>
           </p:sp>
         </mc:Choice>
-        <mc:Fallback>
+        <mc:Fallback xmlns="">
           <p:sp>
             <p:nvSpPr>
               <p:cNvPr id="3" name="Content Placeholder 2">
@@ -26473,8 +26453,8 @@
           </a:p>
         </p:txBody>
       </p:sp>
-      <mc:AlternateContent xmlns:mc="http://schemas.openxmlformats.org/markup-compatibility/2006">
-        <mc:Choice xmlns:a14="http://schemas.microsoft.com/office/drawing/2010/main" Requires="a14">
+      <mc:AlternateContent xmlns:mc="http://schemas.openxmlformats.org/markup-compatibility/2006" xmlns:a14="http://schemas.microsoft.com/office/drawing/2010/main">
+        <mc:Choice Requires="a14">
           <p:sp>
             <p:nvSpPr>
               <p:cNvPr id="3" name="Content Placeholder 2">
@@ -27169,7 +27149,7 @@
             </p:txBody>
           </p:sp>
         </mc:Choice>
-        <mc:Fallback>
+        <mc:Fallback xmlns="">
           <p:sp>
             <p:nvSpPr>
               <p:cNvPr id="3" name="Content Placeholder 2">
@@ -27706,8 +27686,8 @@
           </a:p>
         </p:txBody>
       </p:sp>
-      <mc:AlternateContent xmlns:mc="http://schemas.openxmlformats.org/markup-compatibility/2006">
-        <mc:Choice xmlns:a14="http://schemas.microsoft.com/office/drawing/2010/main" Requires="a14">
+      <mc:AlternateContent xmlns:mc="http://schemas.openxmlformats.org/markup-compatibility/2006" xmlns:a14="http://schemas.microsoft.com/office/drawing/2010/main">
+        <mc:Choice Requires="a14">
           <p:sp>
             <p:nvSpPr>
               <p:cNvPr id="3" name="Content Placeholder 2">
@@ -28280,7 +28260,7 @@
             </p:txBody>
           </p:sp>
         </mc:Choice>
-        <mc:Fallback>
+        <mc:Fallback xmlns="">
           <p:sp>
             <p:nvSpPr>
               <p:cNvPr id="3" name="Content Placeholder 2">
@@ -28383,8 +28363,8 @@
           </a:p>
         </p:txBody>
       </p:sp>
-      <mc:AlternateContent xmlns:mc="http://schemas.openxmlformats.org/markup-compatibility/2006">
-        <mc:Choice xmlns:a14="http://schemas.microsoft.com/office/drawing/2010/main" Requires="a14">
+      <mc:AlternateContent xmlns:mc="http://schemas.openxmlformats.org/markup-compatibility/2006" xmlns:a14="http://schemas.microsoft.com/office/drawing/2010/main">
+        <mc:Choice Requires="a14">
           <p:sp>
             <p:nvSpPr>
               <p:cNvPr id="3" name="Content Placeholder 2">
@@ -28953,7 +28933,7 @@
             </p:txBody>
           </p:sp>
         </mc:Choice>
-        <mc:Fallback>
+        <mc:Fallback xmlns="">
           <p:sp>
             <p:nvSpPr>
               <p:cNvPr id="3" name="Content Placeholder 2">
@@ -29094,8 +29074,8 @@
           </a:p>
         </p:txBody>
       </p:sp>
-      <mc:AlternateContent xmlns:mc="http://schemas.openxmlformats.org/markup-compatibility/2006">
-        <mc:Choice xmlns:a14="http://schemas.microsoft.com/office/drawing/2010/main" Requires="a14">
+      <mc:AlternateContent xmlns:mc="http://schemas.openxmlformats.org/markup-compatibility/2006" xmlns:a14="http://schemas.microsoft.com/office/drawing/2010/main">
+        <mc:Choice Requires="a14">
           <p:sp>
             <p:nvSpPr>
               <p:cNvPr id="5" name="TextBox 4">
@@ -29404,7 +29384,7 @@
             </p:txBody>
           </p:sp>
         </mc:Choice>
-        <mc:Fallback>
+        <mc:Fallback xmlns="">
           <p:sp>
             <p:nvSpPr>
               <p:cNvPr id="5" name="TextBox 4">
@@ -30222,8 +30202,8 @@
           </a:p>
         </p:txBody>
       </p:sp>
-      <mc:AlternateContent xmlns:mc="http://schemas.openxmlformats.org/markup-compatibility/2006">
-        <mc:Choice xmlns:a14="http://schemas.microsoft.com/office/drawing/2010/main" Requires="a14">
+      <mc:AlternateContent xmlns:mc="http://schemas.openxmlformats.org/markup-compatibility/2006" xmlns:a14="http://schemas.microsoft.com/office/drawing/2010/main">
+        <mc:Choice Requires="a14">
           <p:sp>
             <p:nvSpPr>
               <p:cNvPr id="3" name="Content Placeholder 2">
@@ -31063,7 +31043,7 @@
             </p:txBody>
           </p:sp>
         </mc:Choice>
-        <mc:Fallback>
+        <mc:Fallback xmlns="">
           <p:sp>
             <p:nvSpPr>
               <p:cNvPr id="3" name="Content Placeholder 2">
@@ -31166,8 +31146,8 @@
           </a:p>
         </p:txBody>
       </p:sp>
-      <mc:AlternateContent xmlns:mc="http://schemas.openxmlformats.org/markup-compatibility/2006">
-        <mc:Choice xmlns:a14="http://schemas.microsoft.com/office/drawing/2010/main" Requires="a14">
+      <mc:AlternateContent xmlns:mc="http://schemas.openxmlformats.org/markup-compatibility/2006" xmlns:a14="http://schemas.microsoft.com/office/drawing/2010/main">
+        <mc:Choice Requires="a14">
           <p:sp>
             <p:nvSpPr>
               <p:cNvPr id="3" name="Content Placeholder 2">
@@ -31812,7 +31792,7 @@
             </p:txBody>
           </p:sp>
         </mc:Choice>
-        <mc:Fallback>
+        <mc:Fallback xmlns="">
           <p:sp>
             <p:nvSpPr>
               <p:cNvPr id="3" name="Content Placeholder 2">
@@ -32265,8 +32245,8 @@
           </a:p>
         </p:txBody>
       </p:sp>
-      <mc:AlternateContent xmlns:mc="http://schemas.openxmlformats.org/markup-compatibility/2006">
-        <mc:Choice xmlns:a14="http://schemas.microsoft.com/office/drawing/2010/main" Requires="a14">
+      <mc:AlternateContent xmlns:mc="http://schemas.openxmlformats.org/markup-compatibility/2006" xmlns:a14="http://schemas.microsoft.com/office/drawing/2010/main">
+        <mc:Choice Requires="a14">
           <p:sp>
             <p:nvSpPr>
               <p:cNvPr id="3" name="Content Placeholder 2">
@@ -33195,7 +33175,7 @@
             </p:txBody>
           </p:sp>
         </mc:Choice>
-        <mc:Fallback>
+        <mc:Fallback xmlns="">
           <p:sp>
             <p:nvSpPr>
               <p:cNvPr id="3" name="Content Placeholder 2">
@@ -33946,8 +33926,8 @@
           </a:p>
         </p:txBody>
       </p:sp>
-      <mc:AlternateContent xmlns:mc="http://schemas.openxmlformats.org/markup-compatibility/2006">
-        <mc:Choice xmlns:a14="http://schemas.microsoft.com/office/drawing/2010/main" Requires="a14">
+      <mc:AlternateContent xmlns:mc="http://schemas.openxmlformats.org/markup-compatibility/2006" xmlns:a14="http://schemas.microsoft.com/office/drawing/2010/main">
+        <mc:Choice Requires="a14">
           <p:sp>
             <p:nvSpPr>
               <p:cNvPr id="3" name="Content Placeholder 2">
@@ -33967,7 +33947,7 @@
             <p:spPr/>
             <p:txBody>
               <a:bodyPr>
-                <a:normAutofit fontScale="92500" lnSpcReduction="10000"/>
+                <a:normAutofit fontScale="92500" lnSpcReduction="20000"/>
               </a:bodyPr>
               <a:lstStyle/>
               <a:p>
@@ -34251,6 +34231,16 @@
                 <a:pPr marL="0" indent="0">
                   <a:buNone/>
                 </a:pPr>
+                <a:endParaRPr lang="en-US" dirty="0">
+                  <a:solidFill>
+                    <a:schemeClr val="accent1"/>
+                  </a:solidFill>
+                </a:endParaRPr>
+              </a:p>
+              <a:p>
+                <a:pPr marL="0" indent="0">
+                  <a:buNone/>
+                </a:pPr>
                 <a:r>
                   <a:rPr lang="en-US" dirty="0">
                     <a:solidFill>
@@ -34728,7 +34718,7 @@
             </p:txBody>
           </p:sp>
         </mc:Choice>
-        <mc:Fallback>
+        <mc:Fallback xmlns="">
           <p:sp>
             <p:nvSpPr>
               <p:cNvPr id="3" name="Content Placeholder 2">
@@ -34749,7 +34739,7 @@
               <a:blipFill>
                 <a:blip r:embed="rId2"/>
                 <a:stretch>
-                  <a:fillRect l="-1043" t="-2801" r="-522" b="-980"/>
+                  <a:fillRect l="-1043" t="-3501" r="-522" b="-1120"/>
                 </a:stretch>
               </a:blipFill>
             </p:spPr>
@@ -34772,6 +34762,124 @@
     <p:extLst>
       <p:ext uri="{BB962C8B-B14F-4D97-AF65-F5344CB8AC3E}">
         <p14:creationId xmlns:p14="http://schemas.microsoft.com/office/powerpoint/2010/main" val="3946511191"/>
+      </p:ext>
+    </p:extLst>
+  </p:cSld>
+  <p:clrMapOvr>
+    <a:masterClrMapping/>
+  </p:clrMapOvr>
+</p:sld>
+</file>
+
+<file path=ppt/slides/slide54.xml><?xml version="1.0" encoding="utf-8"?>
+<p:sld xmlns:a="http://schemas.openxmlformats.org/drawingml/2006/main" xmlns:r="http://schemas.openxmlformats.org/officeDocument/2006/relationships" xmlns:p="http://schemas.openxmlformats.org/presentationml/2006/main">
+  <p:cSld>
+    <p:spTree>
+      <p:nvGrpSpPr>
+        <p:cNvPr id="1" name=""/>
+        <p:cNvGrpSpPr/>
+        <p:nvPr/>
+      </p:nvGrpSpPr>
+      <p:grpSpPr>
+        <a:xfrm>
+          <a:off x="0" y="0"/>
+          <a:ext cx="0" cy="0"/>
+          <a:chOff x="0" y="0"/>
+          <a:chExt cx="0" cy="0"/>
+        </a:xfrm>
+      </p:grpSpPr>
+      <p:sp>
+        <p:nvSpPr>
+          <p:cNvPr id="2" name="Title 1">
+            <a:extLst>
+              <a:ext uri="{FF2B5EF4-FFF2-40B4-BE49-F238E27FC236}">
+                <a16:creationId xmlns:a16="http://schemas.microsoft.com/office/drawing/2014/main" id="{E348B699-32DF-419A-8861-98B893A560DE}"/>
+              </a:ext>
+            </a:extLst>
+          </p:cNvPr>
+          <p:cNvSpPr>
+            <a:spLocks noGrp="1"/>
+          </p:cNvSpPr>
+          <p:nvPr>
+            <p:ph type="title"/>
+          </p:nvPr>
+        </p:nvSpPr>
+        <p:spPr/>
+        <p:txBody>
+          <a:bodyPr/>
+          <a:lstStyle/>
+          <a:p>
+            <a:r>
+              <a:rPr lang="en-US" dirty="0">
+                <a:solidFill>
+                  <a:schemeClr val="accent1"/>
+                </a:solidFill>
+              </a:rPr>
+              <a:t>Reference</a:t>
+            </a:r>
+          </a:p>
+        </p:txBody>
+      </p:sp>
+      <p:sp>
+        <p:nvSpPr>
+          <p:cNvPr id="3" name="Content Placeholder 2">
+            <a:extLst>
+              <a:ext uri="{FF2B5EF4-FFF2-40B4-BE49-F238E27FC236}">
+                <a16:creationId xmlns:a16="http://schemas.microsoft.com/office/drawing/2014/main" id="{F589EF4A-A8F3-4B80-AB3B-D5AFD97B0E07}"/>
+              </a:ext>
+            </a:extLst>
+          </p:cNvPr>
+          <p:cNvSpPr>
+            <a:spLocks noGrp="1"/>
+          </p:cNvSpPr>
+          <p:nvPr>
+            <p:ph idx="1"/>
+          </p:nvPr>
+        </p:nvSpPr>
+        <p:spPr/>
+        <p:txBody>
+          <a:bodyPr/>
+          <a:lstStyle/>
+          <a:p>
+            <a:pPr marL="0" indent="0">
+              <a:buNone/>
+            </a:pPr>
+            <a:r>
+              <a:rPr lang="en-US" b="0" dirty="0">
+                <a:solidFill>
+                  <a:schemeClr val="accent1"/>
+                </a:solidFill>
+                <a:effectLst/>
+              </a:rPr>
+              <a:t>Michael J. Quinn. 2003. Parallel Programming in C with MPI and OpenMP. McGraw-Hill Education Group.</a:t>
+            </a:r>
+          </a:p>
+          <a:p>
+            <a:pPr marL="0" indent="0">
+              <a:buNone/>
+            </a:pPr>
+            <a:endParaRPr lang="en-US" dirty="0">
+              <a:solidFill>
+                <a:schemeClr val="accent1"/>
+              </a:solidFill>
+            </a:endParaRPr>
+          </a:p>
+          <a:p>
+            <a:pPr marL="0" indent="0">
+              <a:buNone/>
+            </a:pPr>
+            <a:endParaRPr lang="en-US" dirty="0">
+              <a:solidFill>
+                <a:schemeClr val="accent1"/>
+              </a:solidFill>
+            </a:endParaRPr>
+          </a:p>
+        </p:txBody>
+      </p:sp>
+    </p:spTree>
+    <p:extLst>
+      <p:ext uri="{BB962C8B-B14F-4D97-AF65-F5344CB8AC3E}">
+        <p14:creationId xmlns:p14="http://schemas.microsoft.com/office/powerpoint/2010/main" val="3032115291"/>
       </p:ext>
     </p:extLst>
   </p:cSld>
